--- a/Mobile Teile EndPräsi.pptx
+++ b/Mobile Teile EndPräsi.pptx
@@ -113,7 +113,16 @@
       </a:defRPr>
     </a:lvl9pPr>
   </p:defaultTextStyle>
+  <p:extLst>
+    <p:ext uri="{EFAFB233-063F-42B5-8137-9DF3F51BA10A}">
+      <p15:sldGuideLst xmlns:p15="http://schemas.microsoft.com/office/powerpoint/2012/main"/>
+    </p:ext>
+  </p:extLst>
 </p:presentation>
+</file>
+
+<file path=ppt/revisionInfo.xml><?xml version="1.0" encoding="utf-8"?>
+<p1510:revInfo xmlns:a="http://schemas.openxmlformats.org/drawingml/2006/main" xmlns:r="http://schemas.openxmlformats.org/officeDocument/2006/relationships" xmlns:p1510="http://schemas.microsoft.com/office/powerpoint/2015/10/main"/>
 </file>
 
 <file path=ppt/slideLayouts/slideLayout1.xml><?xml version="1.0" encoding="utf-8"?>
@@ -6068,7 +6077,7 @@
           <a:p>
             <a:r>
               <a:rPr lang="de-DE" dirty="0"/>
-              <a:t>Physische Datenmodell</a:t>
+              <a:t>Physisches Datenmodell</a:t>
             </a:r>
           </a:p>
           <a:p>
@@ -6310,10 +6319,10 @@
       </p:sp>
       <p:pic>
         <p:nvPicPr>
-          <p:cNvPr id="5" name="Inhaltsplatzhalter 4">
+          <p:cNvPr id="7" name="Inhaltsplatzhalter 6">
             <a:extLst>
               <a:ext uri="{FF2B5EF4-FFF2-40B4-BE49-F238E27FC236}">
-                <a16:creationId xmlns:a16="http://schemas.microsoft.com/office/drawing/2014/main" id="{9C1606B5-A48C-4454-8C40-86569CE71142}"/>
+                <a16:creationId xmlns:a16="http://schemas.microsoft.com/office/drawing/2014/main" id="{A2D3ADCA-FB24-409B-9335-7D47D0651265}"/>
               </a:ext>
             </a:extLst>
           </p:cNvPr>
@@ -6332,12 +6341,9 @@
         </p:blipFill>
         <p:spPr>
           <a:xfrm>
-            <a:off x="486137" y="223285"/>
-            <a:ext cx="11326635" cy="6547906"/>
+            <a:off x="0" y="0"/>
+            <a:ext cx="12192000" cy="6858000"/>
           </a:xfrm>
-          <a:solidFill>
-            <a:schemeClr val="bg1"/>
-          </a:solidFill>
         </p:spPr>
       </p:pic>
     </p:spTree>
@@ -6372,10 +6378,10 @@
       </p:grpSpPr>
       <p:pic>
         <p:nvPicPr>
-          <p:cNvPr id="5" name="Inhaltsplatzhalter 4">
+          <p:cNvPr id="10" name="Inhaltsplatzhalter 9">
             <a:extLst>
               <a:ext uri="{FF2B5EF4-FFF2-40B4-BE49-F238E27FC236}">
-                <a16:creationId xmlns:a16="http://schemas.microsoft.com/office/drawing/2014/main" id="{B1C3BD27-DBAE-45AB-9152-81EA26143F3B}"/>
+                <a16:creationId xmlns:a16="http://schemas.microsoft.com/office/drawing/2014/main" id="{2A8E012B-D65D-4CDA-8B40-1D00A596073E}"/>
               </a:ext>
             </a:extLst>
           </p:cNvPr>
@@ -6394,8 +6400,8 @@
         </p:blipFill>
         <p:spPr>
           <a:xfrm>
-            <a:off x="935664" y="265814"/>
-            <a:ext cx="10047769" cy="6496494"/>
+            <a:off x="1652337" y="96252"/>
+            <a:ext cx="8654716" cy="6665495"/>
           </a:xfrm>
         </p:spPr>
       </p:pic>
@@ -6764,8 +6770,12 @@
           <a:lstStyle/>
           <a:p>
             <a:r>
+              <a:rPr lang="de-DE"/>
+              <a:t>SQL-Abfragen </a:t>
+            </a:r>
+            <a:r>
               <a:rPr lang="de-DE" dirty="0"/>
-              <a:t>SQL-Anfragen für MySQL</a:t>
+              <a:t>für MySQL</a:t>
             </a:r>
           </a:p>
           <a:p>

--- a/Mobile Teile EndPräsi.pptx
+++ b/Mobile Teile EndPräsi.pptx
@@ -852,7 +852,7 @@
             <a:fld id="{B61BEF0D-F0BB-DE4B-95CE-6DB70DBA9567}" type="datetimeFigureOut">
               <a:rPr lang="en-US" dirty="0"/>
               <a:pPr/>
-              <a:t>1/30/2018</a:t>
+              <a:t>1/31/2018</a:t>
             </a:fld>
             <a:endParaRPr lang="en-US" dirty="0"/>
           </a:p>
@@ -1100,7 +1100,7 @@
             <a:fld id="{B61BEF0D-F0BB-DE4B-95CE-6DB70DBA9567}" type="datetimeFigureOut">
               <a:rPr lang="en-US" dirty="0"/>
               <a:pPr/>
-              <a:t>1/30/2018</a:t>
+              <a:t>1/31/2018</a:t>
             </a:fld>
             <a:endParaRPr lang="en-US" dirty="0"/>
           </a:p>
@@ -1411,7 +1411,7 @@
             <a:fld id="{B61BEF0D-F0BB-DE4B-95CE-6DB70DBA9567}" type="datetimeFigureOut">
               <a:rPr lang="en-US" dirty="0"/>
               <a:pPr/>
-              <a:t>1/30/2018</a:t>
+              <a:t>1/31/2018</a:t>
             </a:fld>
             <a:endParaRPr lang="en-US" dirty="0"/>
           </a:p>
@@ -1735,7 +1735,7 @@
             <a:fld id="{B61BEF0D-F0BB-DE4B-95CE-6DB70DBA9567}" type="datetimeFigureOut">
               <a:rPr lang="en-US" dirty="0"/>
               <a:pPr/>
-              <a:t>1/30/2018</a:t>
+              <a:t>1/31/2018</a:t>
             </a:fld>
             <a:endParaRPr lang="en-US" dirty="0"/>
           </a:p>
@@ -2046,7 +2046,7 @@
             <a:fld id="{B61BEF0D-F0BB-DE4B-95CE-6DB70DBA9567}" type="datetimeFigureOut">
               <a:rPr lang="en-US" dirty="0"/>
               <a:pPr/>
-              <a:t>1/30/2018</a:t>
+              <a:t>1/31/2018</a:t>
             </a:fld>
             <a:endParaRPr lang="en-US" dirty="0"/>
           </a:p>
@@ -2430,7 +2430,7 @@
             <a:fld id="{B61BEF0D-F0BB-DE4B-95CE-6DB70DBA9567}" type="datetimeFigureOut">
               <a:rPr lang="en-US" dirty="0"/>
               <a:pPr/>
-              <a:t>1/30/2018</a:t>
+              <a:t>1/31/2018</a:t>
             </a:fld>
             <a:endParaRPr lang="en-US" dirty="0"/>
           </a:p>
@@ -2596,7 +2596,7 @@
           <a:p>
             <a:fld id="{55C6B4A9-1611-4792-9094-5F34BCA07E0B}" type="datetimeFigureOut">
               <a:rPr lang="en-US" dirty="0"/>
-              <a:t>1/30/2018</a:t>
+              <a:t>1/31/2018</a:t>
             </a:fld>
             <a:endParaRPr lang="en-US" dirty="0"/>
           </a:p>
@@ -2772,7 +2772,7 @@
             <a:fld id="{B61BEF0D-F0BB-DE4B-95CE-6DB70DBA9567}" type="datetimeFigureOut">
               <a:rPr lang="en-US" dirty="0"/>
               <a:pPr/>
-              <a:t>1/30/2018</a:t>
+              <a:t>1/31/2018</a:t>
             </a:fld>
             <a:endParaRPr lang="en-US" dirty="0"/>
           </a:p>
@@ -2938,7 +2938,7 @@
           <a:p>
             <a:fld id="{42A54C80-263E-416B-A8E0-580EDEADCBDC}" type="datetimeFigureOut">
               <a:rPr lang="en-US" dirty="0"/>
-              <a:t>1/30/2018</a:t>
+              <a:t>1/31/2018</a:t>
             </a:fld>
             <a:endParaRPr lang="en-US" dirty="0"/>
           </a:p>
@@ -3181,7 +3181,7 @@
             <a:fld id="{B61BEF0D-F0BB-DE4B-95CE-6DB70DBA9567}" type="datetimeFigureOut">
               <a:rPr lang="en-US" dirty="0"/>
               <a:pPr/>
-              <a:t>1/30/2018</a:t>
+              <a:t>1/31/2018</a:t>
             </a:fld>
             <a:endParaRPr lang="en-US" dirty="0"/>
           </a:p>
@@ -3409,7 +3409,7 @@
           <a:p>
             <a:fld id="{42A54C80-263E-416B-A8E0-580EDEADCBDC}" type="datetimeFigureOut">
               <a:rPr lang="en-US" dirty="0"/>
-              <a:t>1/30/2018</a:t>
+              <a:t>1/31/2018</a:t>
             </a:fld>
             <a:endParaRPr lang="en-US" dirty="0"/>
           </a:p>
@@ -3779,7 +3779,7 @@
             <a:fld id="{B61BEF0D-F0BB-DE4B-95CE-6DB70DBA9567}" type="datetimeFigureOut">
               <a:rPr lang="en-US" dirty="0"/>
               <a:pPr/>
-              <a:t>1/30/2018</a:t>
+              <a:t>1/31/2018</a:t>
             </a:fld>
             <a:endParaRPr lang="en-US" dirty="0"/>
           </a:p>
@@ -3899,7 +3899,7 @@
             <a:fld id="{B61BEF0D-F0BB-DE4B-95CE-6DB70DBA9567}" type="datetimeFigureOut">
               <a:rPr lang="en-US" dirty="0"/>
               <a:pPr/>
-              <a:t>1/30/2018</a:t>
+              <a:t>1/31/2018</a:t>
             </a:fld>
             <a:endParaRPr lang="en-US" dirty="0"/>
           </a:p>
@@ -3991,7 +3991,7 @@
             <a:fld id="{B61BEF0D-F0BB-DE4B-95CE-6DB70DBA9567}" type="datetimeFigureOut">
               <a:rPr lang="en-US" dirty="0"/>
               <a:pPr/>
-              <a:t>1/30/2018</a:t>
+              <a:t>1/31/2018</a:t>
             </a:fld>
             <a:endParaRPr lang="en-US" dirty="0"/>
           </a:p>
@@ -4242,7 +4242,7 @@
           <a:p>
             <a:fld id="{42A54C80-263E-416B-A8E0-580EDEADCBDC}" type="datetimeFigureOut">
               <a:rPr lang="en-US" dirty="0"/>
-              <a:t>1/30/2018</a:t>
+              <a:t>1/31/2018</a:t>
             </a:fld>
             <a:endParaRPr lang="en-US" dirty="0"/>
           </a:p>
@@ -4501,7 +4501,7 @@
             <a:fld id="{B61BEF0D-F0BB-DE4B-95CE-6DB70DBA9567}" type="datetimeFigureOut">
               <a:rPr lang="en-US" dirty="0"/>
               <a:pPr/>
-              <a:t>1/30/2018</a:t>
+              <a:t>1/31/2018</a:t>
             </a:fld>
             <a:endParaRPr lang="en-US" dirty="0"/>
           </a:p>
@@ -5243,7 +5243,7 @@
             <a:fld id="{B61BEF0D-F0BB-DE4B-95CE-6DB70DBA9567}" type="datetimeFigureOut">
               <a:rPr lang="en-US" dirty="0"/>
               <a:pPr/>
-              <a:t>1/30/2018</a:t>
+              <a:t>1/31/2018</a:t>
             </a:fld>
             <a:endParaRPr lang="en-US" dirty="0"/>
           </a:p>
@@ -6378,10 +6378,10 @@
       </p:grpSpPr>
       <p:pic>
         <p:nvPicPr>
-          <p:cNvPr id="10" name="Inhaltsplatzhalter 9">
+          <p:cNvPr id="5" name="Inhaltsplatzhalter 4">
             <a:extLst>
               <a:ext uri="{FF2B5EF4-FFF2-40B4-BE49-F238E27FC236}">
-                <a16:creationId xmlns:a16="http://schemas.microsoft.com/office/drawing/2014/main" id="{2A8E012B-D65D-4CDA-8B40-1D00A596073E}"/>
+                <a16:creationId xmlns:a16="http://schemas.microsoft.com/office/drawing/2014/main" id="{EB85CC01-1910-4D31-AE53-E9924DA01932}"/>
               </a:ext>
             </a:extLst>
           </p:cNvPr>
@@ -6400,8 +6400,8 @@
         </p:blipFill>
         <p:spPr>
           <a:xfrm>
-            <a:off x="1652337" y="96252"/>
-            <a:ext cx="8654716" cy="6665495"/>
+            <a:off x="2162126" y="0"/>
+            <a:ext cx="7867747" cy="6862937"/>
           </a:xfrm>
         </p:spPr>
       </p:pic>

--- a/Mobile Teile EndPräsi.pptx
+++ b/Mobile Teile EndPräsi.pptx
@@ -6281,48 +6281,12 @@
           <a:chExt cx="0" cy="0"/>
         </a:xfrm>
       </p:grpSpPr>
-      <p:sp>
-        <p:nvSpPr>
-          <p:cNvPr id="2" name="Titel 1">
+      <p:pic>
+        <p:nvPicPr>
+          <p:cNvPr id="11" name="Inhaltsplatzhalter 10">
             <a:extLst>
               <a:ext uri="{FF2B5EF4-FFF2-40B4-BE49-F238E27FC236}">
-                <a16:creationId xmlns:a16="http://schemas.microsoft.com/office/drawing/2014/main" id="{F163CD06-9F15-4D69-A4F0-55986A5367B5}"/>
-              </a:ext>
-            </a:extLst>
-          </p:cNvPr>
-          <p:cNvSpPr>
-            <a:spLocks noGrp="1"/>
-          </p:cNvSpPr>
-          <p:nvPr>
-            <p:ph type="title"/>
-          </p:nvPr>
-        </p:nvSpPr>
-        <p:spPr/>
-        <p:txBody>
-          <a:bodyPr/>
-          <a:lstStyle/>
-          <a:p>
-            <a:r>
-              <a:rPr lang="de-DE" dirty="0"/>
-              <a:t>Entity-</a:t>
-            </a:r>
-            <a:r>
-              <a:rPr lang="de-DE" dirty="0" err="1"/>
-              <a:t>Relationship</a:t>
-            </a:r>
-            <a:r>
-              <a:rPr lang="de-DE" dirty="0"/>
-              <a:t> Modell</a:t>
-            </a:r>
-          </a:p>
-        </p:txBody>
-      </p:sp>
-      <p:pic>
-        <p:nvPicPr>
-          <p:cNvPr id="7" name="Inhaltsplatzhalter 6">
-            <a:extLst>
-              <a:ext uri="{FF2B5EF4-FFF2-40B4-BE49-F238E27FC236}">
-                <a16:creationId xmlns:a16="http://schemas.microsoft.com/office/drawing/2014/main" id="{A2D3ADCA-FB24-409B-9335-7D47D0651265}"/>
+                <a16:creationId xmlns:a16="http://schemas.microsoft.com/office/drawing/2014/main" id="{02A763EB-4F5D-4CBD-8A8F-390B0FA30CF6}"/>
               </a:ext>
             </a:extLst>
           </p:cNvPr>
@@ -6341,8 +6305,8 @@
         </p:blipFill>
         <p:spPr>
           <a:xfrm>
-            <a:off x="0" y="0"/>
-            <a:ext cx="12192000" cy="6858000"/>
+            <a:off x="997527" y="-1539"/>
+            <a:ext cx="10196945" cy="6859539"/>
           </a:xfrm>
         </p:spPr>
       </p:pic>
@@ -6400,8 +6364,8 @@
         </p:blipFill>
         <p:spPr>
           <a:xfrm>
-            <a:off x="2162126" y="0"/>
-            <a:ext cx="7867747" cy="6862937"/>
+            <a:off x="2370531" y="0"/>
+            <a:ext cx="7450937" cy="6862937"/>
           </a:xfrm>
         </p:spPr>
       </p:pic>
